--- a/3.CSS/DAY2/notes/Selectors.pptx
+++ b/3.CSS/DAY2/notes/Selectors.pptx
@@ -124,7 +124,7 @@
   </p:defaultTextStyle>
   <p:extLst>
     <p:ext uri="{EFAFB233-063F-42B5-8137-9DF3F51BA10A}">
-      <p15:sldGuideLst xmlns:p15="http://schemas.microsoft.com/office/powerpoint/2012/main"/>
+      <p15:sldGuideLst xmlns:p15="http://schemas.microsoft.com/office/powerpoint/2012/main" xmlns=""/>
     </p:ext>
   </p:extLst>
 </p:presentation>
@@ -465,7 +465,7 @@
           <a:p>
             <a:fld id="{DF325B54-0BBF-4758-ACEE-F0DCB3504D17}" type="datetimeFigureOut">
               <a:rPr lang="en-IN" smtClean="0"/>
-              <a:t>29-11-2023</a:t>
+              <a:t>01-11-2024</a:t>
             </a:fld>
             <a:endParaRPr lang="en-IN"/>
           </a:p>
@@ -1553,7 +1553,7 @@
           <a:p>
             <a:fld id="{DF325B54-0BBF-4758-ACEE-F0DCB3504D17}" type="datetimeFigureOut">
               <a:rPr lang="en-IN" smtClean="0"/>
-              <a:t>29-11-2023</a:t>
+              <a:t>01-11-2024</a:t>
             </a:fld>
             <a:endParaRPr lang="en-IN"/>
           </a:p>
@@ -2533,7 +2533,7 @@
           <a:p>
             <a:fld id="{DF325B54-0BBF-4758-ACEE-F0DCB3504D17}" type="datetimeFigureOut">
               <a:rPr lang="en-IN" smtClean="0"/>
-              <a:t>29-11-2023</a:t>
+              <a:t>01-11-2024</a:t>
             </a:fld>
             <a:endParaRPr lang="en-IN"/>
           </a:p>
@@ -3667,7 +3667,7 @@
           <a:p>
             <a:fld id="{DF325B54-0BBF-4758-ACEE-F0DCB3504D17}" type="datetimeFigureOut">
               <a:rPr lang="en-IN" smtClean="0"/>
-              <a:t>29-11-2023</a:t>
+              <a:t>01-11-2024</a:t>
             </a:fld>
             <a:endParaRPr lang="en-IN"/>
           </a:p>
@@ -4700,7 +4700,7 @@
           <a:p>
             <a:fld id="{DF325B54-0BBF-4758-ACEE-F0DCB3504D17}" type="datetimeFigureOut">
               <a:rPr lang="en-IN" smtClean="0"/>
-              <a:t>29-11-2023</a:t>
+              <a:t>01-11-2024</a:t>
             </a:fld>
             <a:endParaRPr lang="en-IN"/>
           </a:p>
@@ -5360,7 +5360,7 @@
           <a:p>
             <a:fld id="{DF325B54-0BBF-4758-ACEE-F0DCB3504D17}" type="datetimeFigureOut">
               <a:rPr lang="en-IN" smtClean="0"/>
-              <a:t>29-11-2023</a:t>
+              <a:t>01-11-2024</a:t>
             </a:fld>
             <a:endParaRPr lang="en-IN"/>
           </a:p>
@@ -6221,7 +6221,7 @@
           <a:p>
             <a:fld id="{DF325B54-0BBF-4758-ACEE-F0DCB3504D17}" type="datetimeFigureOut">
               <a:rPr lang="en-IN" smtClean="0"/>
-              <a:t>29-11-2023</a:t>
+              <a:t>01-11-2024</a:t>
             </a:fld>
             <a:endParaRPr lang="en-IN"/>
           </a:p>
@@ -6411,7 +6411,7 @@
           <a:p>
             <a:fld id="{DF325B54-0BBF-4758-ACEE-F0DCB3504D17}" type="datetimeFigureOut">
               <a:rPr lang="en-IN" smtClean="0"/>
-              <a:t>29-11-2023</a:t>
+              <a:t>01-11-2024</a:t>
             </a:fld>
             <a:endParaRPr lang="en-IN"/>
           </a:p>
@@ -7383,7 +7383,7 @@
           <a:p>
             <a:fld id="{DF325B54-0BBF-4758-ACEE-F0DCB3504D17}" type="datetimeFigureOut">
               <a:rPr lang="en-IN" smtClean="0"/>
-              <a:t>29-11-2023</a:t>
+              <a:t>01-11-2024</a:t>
             </a:fld>
             <a:endParaRPr lang="en-IN"/>
           </a:p>
@@ -7594,7 +7594,7 @@
           <a:p>
             <a:fld id="{DF325B54-0BBF-4758-ACEE-F0DCB3504D17}" type="datetimeFigureOut">
               <a:rPr lang="en-IN" smtClean="0"/>
-              <a:t>29-11-2023</a:t>
+              <a:t>01-11-2024</a:t>
             </a:fld>
             <a:endParaRPr lang="en-IN"/>
           </a:p>
@@ -8628,7 +8628,7 @@
           <a:p>
             <a:fld id="{DF325B54-0BBF-4758-ACEE-F0DCB3504D17}" type="datetimeFigureOut">
               <a:rPr lang="en-IN" smtClean="0"/>
-              <a:t>29-11-2023</a:t>
+              <a:t>01-11-2024</a:t>
             </a:fld>
             <a:endParaRPr lang="en-IN"/>
           </a:p>
@@ -8900,7 +8900,7 @@
           <a:p>
             <a:fld id="{DF325B54-0BBF-4758-ACEE-F0DCB3504D17}" type="datetimeFigureOut">
               <a:rPr lang="en-IN" smtClean="0"/>
-              <a:t>29-11-2023</a:t>
+              <a:t>01-11-2024</a:t>
             </a:fld>
             <a:endParaRPr lang="en-IN"/>
           </a:p>
@@ -9310,7 +9310,7 @@
           <a:p>
             <a:fld id="{DF325B54-0BBF-4758-ACEE-F0DCB3504D17}" type="datetimeFigureOut">
               <a:rPr lang="en-IN" smtClean="0"/>
-              <a:t>29-11-2023</a:t>
+              <a:t>01-11-2024</a:t>
             </a:fld>
             <a:endParaRPr lang="en-IN"/>
           </a:p>
@@ -9437,7 +9437,7 @@
           <a:p>
             <a:fld id="{DF325B54-0BBF-4758-ACEE-F0DCB3504D17}" type="datetimeFigureOut">
               <a:rPr lang="en-IN" smtClean="0"/>
-              <a:t>29-11-2023</a:t>
+              <a:t>01-11-2024</a:t>
             </a:fld>
             <a:endParaRPr lang="en-IN"/>
           </a:p>
@@ -9532,7 +9532,7 @@
           <a:p>
             <a:fld id="{DF325B54-0BBF-4758-ACEE-F0DCB3504D17}" type="datetimeFigureOut">
               <a:rPr lang="en-IN" smtClean="0"/>
-              <a:t>29-11-2023</a:t>
+              <a:t>01-11-2024</a:t>
             </a:fld>
             <a:endParaRPr lang="en-IN"/>
           </a:p>
@@ -10613,7 +10613,7 @@
           <a:p>
             <a:fld id="{DF325B54-0BBF-4758-ACEE-F0DCB3504D17}" type="datetimeFigureOut">
               <a:rPr lang="en-IN" smtClean="0"/>
-              <a:t>29-11-2023</a:t>
+              <a:t>01-11-2024</a:t>
             </a:fld>
             <a:endParaRPr lang="en-IN"/>
           </a:p>
@@ -11721,7 +11721,7 @@
           <a:p>
             <a:fld id="{DF325B54-0BBF-4758-ACEE-F0DCB3504D17}" type="datetimeFigureOut">
               <a:rPr lang="en-IN" smtClean="0"/>
-              <a:t>29-11-2023</a:t>
+              <a:t>01-11-2024</a:t>
             </a:fld>
             <a:endParaRPr lang="en-IN"/>
           </a:p>
@@ -12718,7 +12718,7 @@
           <a:p>
             <a:fld id="{DF325B54-0BBF-4758-ACEE-F0DCB3504D17}" type="datetimeFigureOut">
               <a:rPr lang="en-IN" smtClean="0"/>
-              <a:t>29-11-2023</a:t>
+              <a:t>01-11-2024</a:t>
             </a:fld>
             <a:endParaRPr lang="en-IN"/>
           </a:p>
@@ -13282,7 +13282,7 @@
           <p:cNvPr id="2" name="Title 1">
             <a:extLst>
               <a:ext uri="{FF2B5EF4-FFF2-40B4-BE49-F238E27FC236}">
-                <a16:creationId xmlns:a16="http://schemas.microsoft.com/office/drawing/2014/main" id="{16036EE5-73CF-904F-9985-F4079F741056}"/>
+                <a16:creationId xmlns:a16="http://schemas.microsoft.com/office/drawing/2014/main" xmlns="" id="{16036EE5-73CF-904F-9985-F4079F741056}"/>
               </a:ext>
             </a:extLst>
           </p:cNvPr>
@@ -13310,7 +13310,7 @@
           <p:cNvPr id="3" name="Subtitle 2">
             <a:extLst>
               <a:ext uri="{FF2B5EF4-FFF2-40B4-BE49-F238E27FC236}">
-                <a16:creationId xmlns:a16="http://schemas.microsoft.com/office/drawing/2014/main" id="{73A64D8A-0377-7742-379A-A3690E241884}"/>
+                <a16:creationId xmlns:a16="http://schemas.microsoft.com/office/drawing/2014/main" xmlns="" id="{73A64D8A-0377-7742-379A-A3690E241884}"/>
               </a:ext>
             </a:extLst>
           </p:cNvPr>
@@ -13365,7 +13365,7 @@
           <p:cNvPr id="2" name="Title 1">
             <a:extLst>
               <a:ext uri="{FF2B5EF4-FFF2-40B4-BE49-F238E27FC236}">
-                <a16:creationId xmlns:a16="http://schemas.microsoft.com/office/drawing/2014/main" id="{22B1C879-4C10-4030-5411-D31F955DDB5A}"/>
+                <a16:creationId xmlns:a16="http://schemas.microsoft.com/office/drawing/2014/main" xmlns="" id="{22B1C879-4C10-4030-5411-D31F955DDB5A}"/>
               </a:ext>
             </a:extLst>
           </p:cNvPr>
@@ -13399,7 +13399,7 @@
           <p:cNvPr id="3" name="Content Placeholder 2">
             <a:extLst>
               <a:ext uri="{FF2B5EF4-FFF2-40B4-BE49-F238E27FC236}">
-                <a16:creationId xmlns:a16="http://schemas.microsoft.com/office/drawing/2014/main" id="{FA6680E8-3402-CD21-7FA7-1EDBBB1C9862}"/>
+                <a16:creationId xmlns:a16="http://schemas.microsoft.com/office/drawing/2014/main" xmlns="" id="{FA6680E8-3402-CD21-7FA7-1EDBBB1C9862}"/>
               </a:ext>
             </a:extLst>
           </p:cNvPr>
@@ -13634,7 +13634,7 @@
           <p:cNvPr id="2" name="Title 1">
             <a:extLst>
               <a:ext uri="{FF2B5EF4-FFF2-40B4-BE49-F238E27FC236}">
-                <a16:creationId xmlns:a16="http://schemas.microsoft.com/office/drawing/2014/main" id="{22B1C879-4C10-4030-5411-D31F955DDB5A}"/>
+                <a16:creationId xmlns:a16="http://schemas.microsoft.com/office/drawing/2014/main" xmlns="" id="{22B1C879-4C10-4030-5411-D31F955DDB5A}"/>
               </a:ext>
             </a:extLst>
           </p:cNvPr>
@@ -13662,7 +13662,7 @@
           <p:cNvPr id="3" name="Content Placeholder 2">
             <a:extLst>
               <a:ext uri="{FF2B5EF4-FFF2-40B4-BE49-F238E27FC236}">
-                <a16:creationId xmlns:a16="http://schemas.microsoft.com/office/drawing/2014/main" id="{FA6680E8-3402-CD21-7FA7-1EDBBB1C9862}"/>
+                <a16:creationId xmlns:a16="http://schemas.microsoft.com/office/drawing/2014/main" xmlns="" id="{FA6680E8-3402-CD21-7FA7-1EDBBB1C9862}"/>
               </a:ext>
             </a:extLst>
           </p:cNvPr>
@@ -13828,7 +13828,7 @@
           <p:cNvPr id="2" name="Title 1">
             <a:extLst>
               <a:ext uri="{FF2B5EF4-FFF2-40B4-BE49-F238E27FC236}">
-                <a16:creationId xmlns:a16="http://schemas.microsoft.com/office/drawing/2014/main" id="{F3F1258B-240A-CB9F-9BCC-2DCD1712B6F0}"/>
+                <a16:creationId xmlns:a16="http://schemas.microsoft.com/office/drawing/2014/main" xmlns="" id="{F3F1258B-240A-CB9F-9BCC-2DCD1712B6F0}"/>
               </a:ext>
             </a:extLst>
           </p:cNvPr>
@@ -13860,7 +13860,7 @@
           <p:cNvPr id="3" name="Content Placeholder 2">
             <a:extLst>
               <a:ext uri="{FF2B5EF4-FFF2-40B4-BE49-F238E27FC236}">
-                <a16:creationId xmlns:a16="http://schemas.microsoft.com/office/drawing/2014/main" id="{AF254374-8ED1-5CD0-9419-0588BDFA9595}"/>
+                <a16:creationId xmlns:a16="http://schemas.microsoft.com/office/drawing/2014/main" xmlns="" id="{AF254374-8ED1-5CD0-9419-0588BDFA9595}"/>
               </a:ext>
             </a:extLst>
           </p:cNvPr>
@@ -14024,7 +14024,7 @@
           <p:cNvPr id="2" name="Title 1">
             <a:extLst>
               <a:ext uri="{FF2B5EF4-FFF2-40B4-BE49-F238E27FC236}">
-                <a16:creationId xmlns:a16="http://schemas.microsoft.com/office/drawing/2014/main" id="{01DB8C5E-5340-1541-A68A-9ED9EAD0B0E7}"/>
+                <a16:creationId xmlns:a16="http://schemas.microsoft.com/office/drawing/2014/main" xmlns="" id="{01DB8C5E-5340-1541-A68A-9ED9EAD0B0E7}"/>
               </a:ext>
             </a:extLst>
           </p:cNvPr>
@@ -14056,7 +14056,7 @@
           <p:cNvPr id="3" name="Content Placeholder 2">
             <a:extLst>
               <a:ext uri="{FF2B5EF4-FFF2-40B4-BE49-F238E27FC236}">
-                <a16:creationId xmlns:a16="http://schemas.microsoft.com/office/drawing/2014/main" id="{814978FE-769C-D2A3-85FA-841FDDFE7BA9}"/>
+                <a16:creationId xmlns:a16="http://schemas.microsoft.com/office/drawing/2014/main" xmlns="" id="{814978FE-769C-D2A3-85FA-841FDDFE7BA9}"/>
               </a:ext>
             </a:extLst>
           </p:cNvPr>
@@ -14165,7 +14165,7 @@
           <p:cNvPr id="2" name="Title 1">
             <a:extLst>
               <a:ext uri="{FF2B5EF4-FFF2-40B4-BE49-F238E27FC236}">
-                <a16:creationId xmlns:a16="http://schemas.microsoft.com/office/drawing/2014/main" id="{2CE4E5A9-696A-78CD-1AA4-280AE219B4D5}"/>
+                <a16:creationId xmlns:a16="http://schemas.microsoft.com/office/drawing/2014/main" xmlns="" id="{2CE4E5A9-696A-78CD-1AA4-280AE219B4D5}"/>
               </a:ext>
             </a:extLst>
           </p:cNvPr>
@@ -14189,6 +14189,10 @@
               <a:rPr lang="en-IN" dirty="0" err="1"/>
               <a:t>color</a:t>
             </a:r>
+            <a:r>
+              <a:rPr lang="en-IN" dirty="0"/>
+              <a:t/>
+            </a:r>
             <a:br>
               <a:rPr lang="en-IN" dirty="0"/>
             </a:br>
@@ -14201,7 +14205,7 @@
           <p:cNvPr id="3" name="Content Placeholder 2">
             <a:extLst>
               <a:ext uri="{FF2B5EF4-FFF2-40B4-BE49-F238E27FC236}">
-                <a16:creationId xmlns:a16="http://schemas.microsoft.com/office/drawing/2014/main" id="{A0AAB23C-F39C-D4DD-4AF2-78D3F5777BE4}"/>
+                <a16:creationId xmlns:a16="http://schemas.microsoft.com/office/drawing/2014/main" xmlns="" id="{A0AAB23C-F39C-D4DD-4AF2-78D3F5777BE4}"/>
               </a:ext>
             </a:extLst>
           </p:cNvPr>
@@ -14498,7 +14502,7 @@
           <p:cNvPr id="2" name="Title 1">
             <a:extLst>
               <a:ext uri="{FF2B5EF4-FFF2-40B4-BE49-F238E27FC236}">
-                <a16:creationId xmlns:a16="http://schemas.microsoft.com/office/drawing/2014/main" id="{A3E91C4C-1EB2-4AF8-63CE-BDA12746F828}"/>
+                <a16:creationId xmlns:a16="http://schemas.microsoft.com/office/drawing/2014/main" xmlns="" id="{A3E91C4C-1EB2-4AF8-63CE-BDA12746F828}"/>
               </a:ext>
             </a:extLst>
           </p:cNvPr>
@@ -14530,7 +14534,7 @@
           <p:cNvPr id="3" name="Content Placeholder 2">
             <a:extLst>
               <a:ext uri="{FF2B5EF4-FFF2-40B4-BE49-F238E27FC236}">
-                <a16:creationId xmlns:a16="http://schemas.microsoft.com/office/drawing/2014/main" id="{55F697BA-90F6-6D7B-1F0B-3F7F5E400F52}"/>
+                <a16:creationId xmlns:a16="http://schemas.microsoft.com/office/drawing/2014/main" xmlns="" id="{55F697BA-90F6-6D7B-1F0B-3F7F5E400F52}"/>
               </a:ext>
             </a:extLst>
           </p:cNvPr>
@@ -14792,7 +14796,7 @@
           <p:cNvPr id="2" name="Title 1">
             <a:extLst>
               <a:ext uri="{FF2B5EF4-FFF2-40B4-BE49-F238E27FC236}">
-                <a16:creationId xmlns:a16="http://schemas.microsoft.com/office/drawing/2014/main" id="{22B1C879-4C10-4030-5411-D31F955DDB5A}"/>
+                <a16:creationId xmlns:a16="http://schemas.microsoft.com/office/drawing/2014/main" xmlns="" id="{22B1C879-4C10-4030-5411-D31F955DDB5A}"/>
               </a:ext>
             </a:extLst>
           </p:cNvPr>
@@ -14820,7 +14824,7 @@
           <p:cNvPr id="3" name="Content Placeholder 2">
             <a:extLst>
               <a:ext uri="{FF2B5EF4-FFF2-40B4-BE49-F238E27FC236}">
-                <a16:creationId xmlns:a16="http://schemas.microsoft.com/office/drawing/2014/main" id="{FA6680E8-3402-CD21-7FA7-1EDBBB1C9862}"/>
+                <a16:creationId xmlns:a16="http://schemas.microsoft.com/office/drawing/2014/main" xmlns="" id="{FA6680E8-3402-CD21-7FA7-1EDBBB1C9862}"/>
               </a:ext>
             </a:extLst>
           </p:cNvPr>
@@ -15027,7 +15031,7 @@
           <p:cNvPr id="2" name="Title 1">
             <a:extLst>
               <a:ext uri="{FF2B5EF4-FFF2-40B4-BE49-F238E27FC236}">
-                <a16:creationId xmlns:a16="http://schemas.microsoft.com/office/drawing/2014/main" id="{22B1C879-4C10-4030-5411-D31F955DDB5A}"/>
+                <a16:creationId xmlns:a16="http://schemas.microsoft.com/office/drawing/2014/main" xmlns="" id="{22B1C879-4C10-4030-5411-D31F955DDB5A}"/>
               </a:ext>
             </a:extLst>
           </p:cNvPr>
@@ -15055,7 +15059,7 @@
           <p:cNvPr id="3" name="Content Placeholder 2">
             <a:extLst>
               <a:ext uri="{FF2B5EF4-FFF2-40B4-BE49-F238E27FC236}">
-                <a16:creationId xmlns:a16="http://schemas.microsoft.com/office/drawing/2014/main" id="{FA6680E8-3402-CD21-7FA7-1EDBBB1C9862}"/>
+                <a16:creationId xmlns:a16="http://schemas.microsoft.com/office/drawing/2014/main" xmlns="" id="{FA6680E8-3402-CD21-7FA7-1EDBBB1C9862}"/>
               </a:ext>
             </a:extLst>
           </p:cNvPr>
@@ -15235,7 +15239,7 @@
           <p:cNvPr id="2" name="Title 1">
             <a:extLst>
               <a:ext uri="{FF2B5EF4-FFF2-40B4-BE49-F238E27FC236}">
-                <a16:creationId xmlns:a16="http://schemas.microsoft.com/office/drawing/2014/main" id="{22B1C879-4C10-4030-5411-D31F955DDB5A}"/>
+                <a16:creationId xmlns:a16="http://schemas.microsoft.com/office/drawing/2014/main" xmlns="" id="{22B1C879-4C10-4030-5411-D31F955DDB5A}"/>
               </a:ext>
             </a:extLst>
           </p:cNvPr>
@@ -15263,7 +15267,7 @@
           <p:cNvPr id="3" name="Content Placeholder 2">
             <a:extLst>
               <a:ext uri="{FF2B5EF4-FFF2-40B4-BE49-F238E27FC236}">
-                <a16:creationId xmlns:a16="http://schemas.microsoft.com/office/drawing/2014/main" id="{FA6680E8-3402-CD21-7FA7-1EDBBB1C9862}"/>
+                <a16:creationId xmlns:a16="http://schemas.microsoft.com/office/drawing/2014/main" xmlns="" id="{FA6680E8-3402-CD21-7FA7-1EDBBB1C9862}"/>
               </a:ext>
             </a:extLst>
           </p:cNvPr>
@@ -15294,7 +15298,7 @@
           <p:cNvPr id="6" name="Picture 5">
             <a:extLst>
               <a:ext uri="{FF2B5EF4-FFF2-40B4-BE49-F238E27FC236}">
-                <a16:creationId xmlns:a16="http://schemas.microsoft.com/office/drawing/2014/main" id="{F5BE10AA-8C0A-BD8C-94D0-06B9D3EFD461}"/>
+                <a16:creationId xmlns:a16="http://schemas.microsoft.com/office/drawing/2014/main" xmlns="" id="{F5BE10AA-8C0A-BD8C-94D0-06B9D3EFD461}"/>
               </a:ext>
             </a:extLst>
           </p:cNvPr>
@@ -15359,7 +15363,7 @@
           <p:cNvPr id="2" name="Title 1">
             <a:extLst>
               <a:ext uri="{FF2B5EF4-FFF2-40B4-BE49-F238E27FC236}">
-                <a16:creationId xmlns:a16="http://schemas.microsoft.com/office/drawing/2014/main" id="{56EF0110-2653-EA7F-0C4D-F2258DF05EFA}"/>
+                <a16:creationId xmlns:a16="http://schemas.microsoft.com/office/drawing/2014/main" xmlns="" id="{56EF0110-2653-EA7F-0C4D-F2258DF05EFA}"/>
               </a:ext>
             </a:extLst>
           </p:cNvPr>
@@ -15387,7 +15391,7 @@
           <p:cNvPr id="3" name="Content Placeholder 2">
             <a:extLst>
               <a:ext uri="{FF2B5EF4-FFF2-40B4-BE49-F238E27FC236}">
-                <a16:creationId xmlns:a16="http://schemas.microsoft.com/office/drawing/2014/main" id="{5E93A9CF-332F-3720-BC8E-B7F8474E0526}"/>
+                <a16:creationId xmlns:a16="http://schemas.microsoft.com/office/drawing/2014/main" xmlns="" id="{5E93A9CF-332F-3720-BC8E-B7F8474E0526}"/>
               </a:ext>
             </a:extLst>
           </p:cNvPr>
@@ -15504,7 +15508,7 @@
           <p:cNvPr id="2" name="Title 1">
             <a:extLst>
               <a:ext uri="{FF2B5EF4-FFF2-40B4-BE49-F238E27FC236}">
-                <a16:creationId xmlns:a16="http://schemas.microsoft.com/office/drawing/2014/main" id="{22B1C879-4C10-4030-5411-D31F955DDB5A}"/>
+                <a16:creationId xmlns:a16="http://schemas.microsoft.com/office/drawing/2014/main" xmlns="" id="{22B1C879-4C10-4030-5411-D31F955DDB5A}"/>
               </a:ext>
             </a:extLst>
           </p:cNvPr>
@@ -15532,7 +15536,7 @@
           <p:cNvPr id="3" name="Content Placeholder 2">
             <a:extLst>
               <a:ext uri="{FF2B5EF4-FFF2-40B4-BE49-F238E27FC236}">
-                <a16:creationId xmlns:a16="http://schemas.microsoft.com/office/drawing/2014/main" id="{FA6680E8-3402-CD21-7FA7-1EDBBB1C9862}"/>
+                <a16:creationId xmlns:a16="http://schemas.microsoft.com/office/drawing/2014/main" xmlns="" id="{FA6680E8-3402-CD21-7FA7-1EDBBB1C9862}"/>
               </a:ext>
             </a:extLst>
           </p:cNvPr>
@@ -15647,7 +15651,7 @@
           <p:cNvPr id="2" name="Title 1">
             <a:extLst>
               <a:ext uri="{FF2B5EF4-FFF2-40B4-BE49-F238E27FC236}">
-                <a16:creationId xmlns:a16="http://schemas.microsoft.com/office/drawing/2014/main" id="{3385976B-6F11-7E34-399C-A2FACA763810}"/>
+                <a16:creationId xmlns:a16="http://schemas.microsoft.com/office/drawing/2014/main" xmlns="" id="{3385976B-6F11-7E34-399C-A2FACA763810}"/>
               </a:ext>
             </a:extLst>
           </p:cNvPr>
@@ -15675,7 +15679,7 @@
           <p:cNvPr id="3" name="Content Placeholder 2">
             <a:extLst>
               <a:ext uri="{FF2B5EF4-FFF2-40B4-BE49-F238E27FC236}">
-                <a16:creationId xmlns:a16="http://schemas.microsoft.com/office/drawing/2014/main" id="{879F25D8-F137-084F-00C0-C35C23C78123}"/>
+                <a16:creationId xmlns:a16="http://schemas.microsoft.com/office/drawing/2014/main" xmlns="" id="{879F25D8-F137-084F-00C0-C35C23C78123}"/>
               </a:ext>
             </a:extLst>
           </p:cNvPr>
@@ -15936,7 +15940,7 @@
           <p:cNvPr id="2" name="Title 1">
             <a:extLst>
               <a:ext uri="{FF2B5EF4-FFF2-40B4-BE49-F238E27FC236}">
-                <a16:creationId xmlns:a16="http://schemas.microsoft.com/office/drawing/2014/main" id="{22B1C879-4C10-4030-5411-D31F955DDB5A}"/>
+                <a16:creationId xmlns:a16="http://schemas.microsoft.com/office/drawing/2014/main" xmlns="" id="{22B1C879-4C10-4030-5411-D31F955DDB5A}"/>
               </a:ext>
             </a:extLst>
           </p:cNvPr>
@@ -15968,7 +15972,7 @@
           <p:cNvPr id="3" name="Content Placeholder 2">
             <a:extLst>
               <a:ext uri="{FF2B5EF4-FFF2-40B4-BE49-F238E27FC236}">
-                <a16:creationId xmlns:a16="http://schemas.microsoft.com/office/drawing/2014/main" id="{FA6680E8-3402-CD21-7FA7-1EDBBB1C9862}"/>
+                <a16:creationId xmlns:a16="http://schemas.microsoft.com/office/drawing/2014/main" xmlns="" id="{FA6680E8-3402-CD21-7FA7-1EDBBB1C9862}"/>
               </a:ext>
             </a:extLst>
           </p:cNvPr>
@@ -16103,7 +16107,7 @@
           <p:cNvPr id="2" name="Title 1">
             <a:extLst>
               <a:ext uri="{FF2B5EF4-FFF2-40B4-BE49-F238E27FC236}">
-                <a16:creationId xmlns:a16="http://schemas.microsoft.com/office/drawing/2014/main" id="{22B1C879-4C10-4030-5411-D31F955DDB5A}"/>
+                <a16:creationId xmlns:a16="http://schemas.microsoft.com/office/drawing/2014/main" xmlns="" id="{22B1C879-4C10-4030-5411-D31F955DDB5A}"/>
               </a:ext>
             </a:extLst>
           </p:cNvPr>
@@ -16131,7 +16135,7 @@
           <p:cNvPr id="3" name="Content Placeholder 2">
             <a:extLst>
               <a:ext uri="{FF2B5EF4-FFF2-40B4-BE49-F238E27FC236}">
-                <a16:creationId xmlns:a16="http://schemas.microsoft.com/office/drawing/2014/main" id="{FA6680E8-3402-CD21-7FA7-1EDBBB1C9862}"/>
+                <a16:creationId xmlns:a16="http://schemas.microsoft.com/office/drawing/2014/main" xmlns="" id="{FA6680E8-3402-CD21-7FA7-1EDBBB1C9862}"/>
               </a:ext>
             </a:extLst>
           </p:cNvPr>
@@ -16273,7 +16277,7 @@
           <p:cNvPr id="2" name="Title 1">
             <a:extLst>
               <a:ext uri="{FF2B5EF4-FFF2-40B4-BE49-F238E27FC236}">
-                <a16:creationId xmlns:a16="http://schemas.microsoft.com/office/drawing/2014/main" id="{22B1C879-4C10-4030-5411-D31F955DDB5A}"/>
+                <a16:creationId xmlns:a16="http://schemas.microsoft.com/office/drawing/2014/main" xmlns="" id="{22B1C879-4C10-4030-5411-D31F955DDB5A}"/>
               </a:ext>
             </a:extLst>
           </p:cNvPr>
@@ -16298,6 +16302,15 @@
               </a:rPr>
               <a:t>Universal Selector</a:t>
             </a:r>
+            <a:r>
+              <a:rPr lang="en-IN" sz="1800" dirty="0">
+                <a:effectLst/>
+                <a:latin typeface="Calibri" panose="020F0502020204030204" pitchFamily="34" charset="0"/>
+                <a:ea typeface="Times New Roman" panose="02020603050405020304" pitchFamily="18" charset="0"/>
+                <a:cs typeface="Times New Roman" panose="02020603050405020304" pitchFamily="18" charset="0"/>
+              </a:rPr>
+              <a:t/>
+            </a:r>
             <a:br>
               <a:rPr lang="en-IN" sz="1800" dirty="0">
                 <a:effectLst/>
@@ -16315,7 +16328,7 @@
           <p:cNvPr id="3" name="Content Placeholder 2">
             <a:extLst>
               <a:ext uri="{FF2B5EF4-FFF2-40B4-BE49-F238E27FC236}">
-                <a16:creationId xmlns:a16="http://schemas.microsoft.com/office/drawing/2014/main" id="{FA6680E8-3402-CD21-7FA7-1EDBBB1C9862}"/>
+                <a16:creationId xmlns:a16="http://schemas.microsoft.com/office/drawing/2014/main" xmlns="" id="{FA6680E8-3402-CD21-7FA7-1EDBBB1C9862}"/>
               </a:ext>
             </a:extLst>
           </p:cNvPr>
@@ -16566,7 +16579,7 @@
           <p:cNvPr id="2" name="Title 1">
             <a:extLst>
               <a:ext uri="{FF2B5EF4-FFF2-40B4-BE49-F238E27FC236}">
-                <a16:creationId xmlns:a16="http://schemas.microsoft.com/office/drawing/2014/main" id="{22B1C879-4C10-4030-5411-D31F955DDB5A}"/>
+                <a16:creationId xmlns:a16="http://schemas.microsoft.com/office/drawing/2014/main" xmlns="" id="{22B1C879-4C10-4030-5411-D31F955DDB5A}"/>
               </a:ext>
             </a:extLst>
           </p:cNvPr>
@@ -16594,7 +16607,7 @@
           <p:cNvPr id="3" name="Content Placeholder 2">
             <a:extLst>
               <a:ext uri="{FF2B5EF4-FFF2-40B4-BE49-F238E27FC236}">
-                <a16:creationId xmlns:a16="http://schemas.microsoft.com/office/drawing/2014/main" id="{FA6680E8-3402-CD21-7FA7-1EDBBB1C9862}"/>
+                <a16:creationId xmlns:a16="http://schemas.microsoft.com/office/drawing/2014/main" xmlns="" id="{FA6680E8-3402-CD21-7FA7-1EDBBB1C9862}"/>
               </a:ext>
             </a:extLst>
           </p:cNvPr>
@@ -16877,7 +16890,7 @@
           <p:cNvPr id="2" name="Title 1">
             <a:extLst>
               <a:ext uri="{FF2B5EF4-FFF2-40B4-BE49-F238E27FC236}">
-                <a16:creationId xmlns:a16="http://schemas.microsoft.com/office/drawing/2014/main" id="{840BEE21-A68A-5F95-5C8E-835220C626F8}"/>
+                <a16:creationId xmlns:a16="http://schemas.microsoft.com/office/drawing/2014/main" xmlns="" id="{840BEE21-A68A-5F95-5C8E-835220C626F8}"/>
               </a:ext>
             </a:extLst>
           </p:cNvPr>
@@ -16905,7 +16918,7 @@
           <p:cNvPr id="3" name="Content Placeholder 2">
             <a:extLst>
               <a:ext uri="{FF2B5EF4-FFF2-40B4-BE49-F238E27FC236}">
-                <a16:creationId xmlns:a16="http://schemas.microsoft.com/office/drawing/2014/main" id="{CCE09349-0762-8F25-EB35-43E82161DADC}"/>
+                <a16:creationId xmlns:a16="http://schemas.microsoft.com/office/drawing/2014/main" xmlns="" id="{CCE09349-0762-8F25-EB35-43E82161DADC}"/>
               </a:ext>
             </a:extLst>
           </p:cNvPr>
@@ -16988,7 +17001,7 @@
           <p:cNvPr id="2" name="Title 1">
             <a:extLst>
               <a:ext uri="{FF2B5EF4-FFF2-40B4-BE49-F238E27FC236}">
-                <a16:creationId xmlns:a16="http://schemas.microsoft.com/office/drawing/2014/main" id="{FCB49938-5DF5-6714-905F-C9C7120145E2}"/>
+                <a16:creationId xmlns:a16="http://schemas.microsoft.com/office/drawing/2014/main" xmlns="" id="{FCB49938-5DF5-6714-905F-C9C7120145E2}"/>
               </a:ext>
             </a:extLst>
           </p:cNvPr>
@@ -17016,7 +17029,7 @@
           <p:cNvPr id="3" name="Content Placeholder 2">
             <a:extLst>
               <a:ext uri="{FF2B5EF4-FFF2-40B4-BE49-F238E27FC236}">
-                <a16:creationId xmlns:a16="http://schemas.microsoft.com/office/drawing/2014/main" id="{F824C00F-540D-D487-1674-EB50702A4664}"/>
+                <a16:creationId xmlns:a16="http://schemas.microsoft.com/office/drawing/2014/main" xmlns="" id="{F824C00F-540D-D487-1674-EB50702A4664}"/>
               </a:ext>
             </a:extLst>
           </p:cNvPr>
@@ -17303,7 +17316,7 @@
   <a:extraClrSchemeLst/>
   <a:extLst>
     <a:ext uri="{05A4C25C-085E-4340-85A3-A5531E510DB2}">
-      <thm15:themeFamily xmlns:thm15="http://schemas.microsoft.com/office/thememl/2012/main" name="Ion Boardroom" id="{FC33163D-4339-46B1-8EED-24C834239D99}" vid="{B8502691-933B-45FE-8764-BA278511EF27}"/>
+      <thm15:themeFamily xmlns:thm15="http://schemas.microsoft.com/office/thememl/2012/main" xmlns="" name="Ion Boardroom" id="{FC33163D-4339-46B1-8EED-24C834239D99}" vid="{B8502691-933B-45FE-8764-BA278511EF27}"/>
     </a:ext>
   </a:extLst>
 </a:theme>
